--- a/document/design/上北智信前端框架.pptx
+++ b/document/design/上北智信前端框架.pptx
@@ -10,8 +10,10 @@
     <p:sldId id="259" r:id="rId4"/>
     <p:sldId id="260" r:id="rId5"/>
     <p:sldId id="263" r:id="rId6"/>
-    <p:sldId id="261" r:id="rId7"/>
-    <p:sldId id="262" r:id="rId8"/>
+    <p:sldId id="264" r:id="rId7"/>
+    <p:sldId id="265" r:id="rId8"/>
+    <p:sldId id="261" r:id="rId9"/>
+    <p:sldId id="262" r:id="rId10"/>
   </p:sldIdLst>
   <p:sldSz cx="12192000" cy="6858000"/>
   <p:notesSz cx="6858000" cy="9144000"/>
@@ -249,7 +251,7 @@
           <a:p>
             <a:fld id="{F1B40B94-A55C-4305-91DB-D1A1B559421A}" type="datetimeFigureOut">
               <a:rPr lang="zh-CN" altLang="en-US" smtClean="0"/>
-              <a:t>2017/9/3</a:t>
+              <a:t>2017/9/5</a:t>
             </a:fld>
             <a:endParaRPr lang="zh-CN" altLang="en-US"/>
           </a:p>
@@ -419,7 +421,7 @@
           <a:p>
             <a:fld id="{F1B40B94-A55C-4305-91DB-D1A1B559421A}" type="datetimeFigureOut">
               <a:rPr lang="zh-CN" altLang="en-US" smtClean="0"/>
-              <a:t>2017/9/3</a:t>
+              <a:t>2017/9/5</a:t>
             </a:fld>
             <a:endParaRPr lang="zh-CN" altLang="en-US"/>
           </a:p>
@@ -599,7 +601,7 @@
           <a:p>
             <a:fld id="{F1B40B94-A55C-4305-91DB-D1A1B559421A}" type="datetimeFigureOut">
               <a:rPr lang="zh-CN" altLang="en-US" smtClean="0"/>
-              <a:t>2017/9/3</a:t>
+              <a:t>2017/9/5</a:t>
             </a:fld>
             <a:endParaRPr lang="zh-CN" altLang="en-US"/>
           </a:p>
@@ -769,7 +771,7 @@
           <a:p>
             <a:fld id="{F1B40B94-A55C-4305-91DB-D1A1B559421A}" type="datetimeFigureOut">
               <a:rPr lang="zh-CN" altLang="en-US" smtClean="0"/>
-              <a:t>2017/9/3</a:t>
+              <a:t>2017/9/5</a:t>
             </a:fld>
             <a:endParaRPr lang="zh-CN" altLang="en-US"/>
           </a:p>
@@ -1015,7 +1017,7 @@
           <a:p>
             <a:fld id="{F1B40B94-A55C-4305-91DB-D1A1B559421A}" type="datetimeFigureOut">
               <a:rPr lang="zh-CN" altLang="en-US" smtClean="0"/>
-              <a:t>2017/9/3</a:t>
+              <a:t>2017/9/5</a:t>
             </a:fld>
             <a:endParaRPr lang="zh-CN" altLang="en-US"/>
           </a:p>
@@ -1247,7 +1249,7 @@
           <a:p>
             <a:fld id="{F1B40B94-A55C-4305-91DB-D1A1B559421A}" type="datetimeFigureOut">
               <a:rPr lang="zh-CN" altLang="en-US" smtClean="0"/>
-              <a:t>2017/9/3</a:t>
+              <a:t>2017/9/5</a:t>
             </a:fld>
             <a:endParaRPr lang="zh-CN" altLang="en-US"/>
           </a:p>
@@ -1614,7 +1616,7 @@
           <a:p>
             <a:fld id="{F1B40B94-A55C-4305-91DB-D1A1B559421A}" type="datetimeFigureOut">
               <a:rPr lang="zh-CN" altLang="en-US" smtClean="0"/>
-              <a:t>2017/9/3</a:t>
+              <a:t>2017/9/5</a:t>
             </a:fld>
             <a:endParaRPr lang="zh-CN" altLang="en-US"/>
           </a:p>
@@ -1732,7 +1734,7 @@
           <a:p>
             <a:fld id="{F1B40B94-A55C-4305-91DB-D1A1B559421A}" type="datetimeFigureOut">
               <a:rPr lang="zh-CN" altLang="en-US" smtClean="0"/>
-              <a:t>2017/9/3</a:t>
+              <a:t>2017/9/5</a:t>
             </a:fld>
             <a:endParaRPr lang="zh-CN" altLang="en-US"/>
           </a:p>
@@ -1827,7 +1829,7 @@
           <a:p>
             <a:fld id="{F1B40B94-A55C-4305-91DB-D1A1B559421A}" type="datetimeFigureOut">
               <a:rPr lang="zh-CN" altLang="en-US" smtClean="0"/>
-              <a:t>2017/9/3</a:t>
+              <a:t>2017/9/5</a:t>
             </a:fld>
             <a:endParaRPr lang="zh-CN" altLang="en-US"/>
           </a:p>
@@ -2104,7 +2106,7 @@
           <a:p>
             <a:fld id="{F1B40B94-A55C-4305-91DB-D1A1B559421A}" type="datetimeFigureOut">
               <a:rPr lang="zh-CN" altLang="en-US" smtClean="0"/>
-              <a:t>2017/9/3</a:t>
+              <a:t>2017/9/5</a:t>
             </a:fld>
             <a:endParaRPr lang="zh-CN" altLang="en-US"/>
           </a:p>
@@ -2357,7 +2359,7 @@
           <a:p>
             <a:fld id="{F1B40B94-A55C-4305-91DB-D1A1B559421A}" type="datetimeFigureOut">
               <a:rPr lang="zh-CN" altLang="en-US" smtClean="0"/>
-              <a:t>2017/9/3</a:t>
+              <a:t>2017/9/5</a:t>
             </a:fld>
             <a:endParaRPr lang="zh-CN" altLang="en-US"/>
           </a:p>
@@ -2570,7 +2572,7 @@
           <a:p>
             <a:fld id="{F1B40B94-A55C-4305-91DB-D1A1B559421A}" type="datetimeFigureOut">
               <a:rPr lang="zh-CN" altLang="en-US" smtClean="0"/>
-              <a:t>2017/9/3</a:t>
+              <a:t>2017/9/5</a:t>
             </a:fld>
             <a:endParaRPr lang="zh-CN" altLang="en-US"/>
           </a:p>
@@ -7745,7 +7747,1584 @@
       </p:grpSpPr>
       <p:sp>
         <p:nvSpPr>
-          <p:cNvPr id="4" name="标题 1"/>
+          <p:cNvPr id="98" name="矩形 97"/>
+          <p:cNvSpPr/>
+          <p:nvPr/>
+        </p:nvSpPr>
+        <p:spPr>
+          <a:xfrm>
+            <a:off x="117594" y="952621"/>
+            <a:ext cx="11847978" cy="5808155"/>
+          </a:xfrm>
+          <a:prstGeom prst="rect">
+            <a:avLst/>
+          </a:prstGeom>
+          <a:solidFill>
+            <a:schemeClr val="bg1"/>
+          </a:solidFill>
+          <a:ln>
+            <a:solidFill>
+              <a:srgbClr val="FF0000"/>
+            </a:solidFill>
+            <a:prstDash val="lgDash"/>
+          </a:ln>
+        </p:spPr>
+        <p:style>
+          <a:lnRef idx="2">
+            <a:schemeClr val="accent1">
+              <a:shade val="50000"/>
+            </a:schemeClr>
+          </a:lnRef>
+          <a:fillRef idx="1">
+            <a:schemeClr val="accent1"/>
+          </a:fillRef>
+          <a:effectRef idx="0">
+            <a:schemeClr val="accent1"/>
+          </a:effectRef>
+          <a:fontRef idx="minor">
+            <a:schemeClr val="lt1"/>
+          </a:fontRef>
+        </p:style>
+        <p:txBody>
+          <a:bodyPr rtlCol="0" anchor="ctr"/>
+          <a:lstStyle/>
+          <a:p>
+            <a:pPr algn="ctr"/>
+            <a:endParaRPr lang="zh-CN" altLang="en-US" dirty="0"/>
+          </a:p>
+        </p:txBody>
+      </p:sp>
+      <p:sp>
+        <p:nvSpPr>
+          <p:cNvPr id="73" name="矩形 72"/>
+          <p:cNvSpPr/>
+          <p:nvPr/>
+        </p:nvSpPr>
+        <p:spPr>
+          <a:xfrm>
+            <a:off x="207086" y="3090032"/>
+            <a:ext cx="3694358" cy="1878227"/>
+          </a:xfrm>
+          <a:prstGeom prst="rect">
+            <a:avLst/>
+          </a:prstGeom>
+          <a:solidFill>
+            <a:schemeClr val="bg1"/>
+          </a:solidFill>
+          <a:ln>
+            <a:solidFill>
+              <a:schemeClr val="accent1"/>
+            </a:solidFill>
+            <a:prstDash val="lgDash"/>
+          </a:ln>
+        </p:spPr>
+        <p:style>
+          <a:lnRef idx="2">
+            <a:schemeClr val="accent1">
+              <a:shade val="50000"/>
+            </a:schemeClr>
+          </a:lnRef>
+          <a:fillRef idx="1">
+            <a:schemeClr val="accent1"/>
+          </a:fillRef>
+          <a:effectRef idx="0">
+            <a:schemeClr val="accent1"/>
+          </a:effectRef>
+          <a:fontRef idx="minor">
+            <a:schemeClr val="lt1"/>
+          </a:fontRef>
+        </p:style>
+        <p:txBody>
+          <a:bodyPr rtlCol="0" anchor="ctr"/>
+          <a:lstStyle/>
+          <a:p>
+            <a:pPr algn="ctr"/>
+            <a:endParaRPr lang="zh-CN" altLang="en-US"/>
+          </a:p>
+        </p:txBody>
+      </p:sp>
+      <p:sp>
+        <p:nvSpPr>
+          <p:cNvPr id="49" name="矩形 48"/>
+          <p:cNvSpPr/>
+          <p:nvPr/>
+        </p:nvSpPr>
+        <p:spPr>
+          <a:xfrm>
+            <a:off x="5146773" y="1419517"/>
+            <a:ext cx="5007429" cy="5242559"/>
+          </a:xfrm>
+          <a:prstGeom prst="rect">
+            <a:avLst/>
+          </a:prstGeom>
+          <a:solidFill>
+            <a:schemeClr val="bg1"/>
+          </a:solidFill>
+          <a:ln>
+            <a:solidFill>
+              <a:srgbClr val="92D050"/>
+            </a:solidFill>
+            <a:prstDash val="lgDash"/>
+          </a:ln>
+        </p:spPr>
+        <p:style>
+          <a:lnRef idx="2">
+            <a:schemeClr val="accent1">
+              <a:shade val="50000"/>
+            </a:schemeClr>
+          </a:lnRef>
+          <a:fillRef idx="1">
+            <a:schemeClr val="accent1"/>
+          </a:fillRef>
+          <a:effectRef idx="0">
+            <a:schemeClr val="accent1"/>
+          </a:effectRef>
+          <a:fontRef idx="minor">
+            <a:schemeClr val="lt1"/>
+          </a:fontRef>
+        </p:style>
+        <p:txBody>
+          <a:bodyPr rtlCol="0" anchor="ctr"/>
+          <a:lstStyle/>
+          <a:p>
+            <a:pPr algn="ctr"/>
+            <a:endParaRPr lang="zh-CN" altLang="en-US" dirty="0"/>
+          </a:p>
+        </p:txBody>
+      </p:sp>
+      <p:sp>
+        <p:nvSpPr>
+          <p:cNvPr id="2" name="流程图: 磁盘 1"/>
+          <p:cNvSpPr/>
+          <p:nvPr/>
+        </p:nvSpPr>
+        <p:spPr>
+          <a:xfrm>
+            <a:off x="2476080" y="3536712"/>
+            <a:ext cx="1360966" cy="964020"/>
+          </a:xfrm>
+          <a:prstGeom prst="flowChartMagneticDisk">
+            <a:avLst/>
+          </a:prstGeom>
+        </p:spPr>
+        <p:style>
+          <a:lnRef idx="2">
+            <a:schemeClr val="accent1">
+              <a:shade val="50000"/>
+            </a:schemeClr>
+          </a:lnRef>
+          <a:fillRef idx="1">
+            <a:schemeClr val="accent1"/>
+          </a:fillRef>
+          <a:effectRef idx="0">
+            <a:schemeClr val="accent1"/>
+          </a:effectRef>
+          <a:fontRef idx="minor">
+            <a:schemeClr val="lt1"/>
+          </a:fontRef>
+        </p:style>
+        <p:txBody>
+          <a:bodyPr rtlCol="0" anchor="ctr"/>
+          <a:lstStyle/>
+          <a:p>
+            <a:pPr algn="ctr"/>
+            <a:r>
+              <a:rPr lang="zh-CN" altLang="en-US" dirty="0" smtClean="0"/>
+              <a:t>代码仓库</a:t>
+            </a:r>
+            <a:endParaRPr lang="zh-CN" altLang="en-US" dirty="0"/>
+          </a:p>
+        </p:txBody>
+      </p:sp>
+      <p:sp>
+        <p:nvSpPr>
+          <p:cNvPr id="6" name="流程图: 磁盘 5"/>
+          <p:cNvSpPr/>
+          <p:nvPr/>
+        </p:nvSpPr>
+        <p:spPr>
+          <a:xfrm>
+            <a:off x="5598507" y="1611848"/>
+            <a:ext cx="1782724" cy="1031504"/>
+          </a:xfrm>
+          <a:prstGeom prst="flowChartMagneticDisk">
+            <a:avLst/>
+          </a:prstGeom>
+        </p:spPr>
+        <p:style>
+          <a:lnRef idx="2">
+            <a:schemeClr val="accent1">
+              <a:shade val="50000"/>
+            </a:schemeClr>
+          </a:lnRef>
+          <a:fillRef idx="1">
+            <a:schemeClr val="accent1"/>
+          </a:fillRef>
+          <a:effectRef idx="0">
+            <a:schemeClr val="accent1"/>
+          </a:effectRef>
+          <a:fontRef idx="minor">
+            <a:schemeClr val="lt1"/>
+          </a:fontRef>
+        </p:style>
+        <p:txBody>
+          <a:bodyPr rtlCol="0" anchor="ctr"/>
+          <a:lstStyle/>
+          <a:p>
+            <a:pPr algn="ctr"/>
+            <a:r>
+              <a:rPr lang="en-US" altLang="zh-CN" dirty="0" smtClean="0"/>
+              <a:t>Docker</a:t>
+            </a:r>
+            <a:r>
+              <a:rPr lang="zh-CN" altLang="en-US" dirty="0" smtClean="0"/>
+              <a:t>镜像仓库</a:t>
+            </a:r>
+            <a:endParaRPr lang="zh-CN" altLang="en-US" dirty="0"/>
+          </a:p>
+        </p:txBody>
+      </p:sp>
+      <p:sp>
+        <p:nvSpPr>
+          <p:cNvPr id="8" name="圆角矩形 7"/>
+          <p:cNvSpPr/>
+          <p:nvPr/>
+        </p:nvSpPr>
+        <p:spPr>
+          <a:xfrm>
+            <a:off x="5598507" y="3542788"/>
+            <a:ext cx="1782724" cy="931817"/>
+          </a:xfrm>
+          <a:prstGeom prst="roundRect">
+            <a:avLst/>
+          </a:prstGeom>
+          <a:solidFill>
+            <a:schemeClr val="bg1"/>
+          </a:solidFill>
+          <a:ln>
+            <a:solidFill>
+              <a:schemeClr val="tx1"/>
+            </a:solidFill>
+          </a:ln>
+        </p:spPr>
+        <p:style>
+          <a:lnRef idx="2">
+            <a:schemeClr val="accent1">
+              <a:shade val="50000"/>
+            </a:schemeClr>
+          </a:lnRef>
+          <a:fillRef idx="1">
+            <a:schemeClr val="accent1"/>
+          </a:fillRef>
+          <a:effectRef idx="0">
+            <a:schemeClr val="accent1"/>
+          </a:effectRef>
+          <a:fontRef idx="minor">
+            <a:schemeClr val="lt1"/>
+          </a:fontRef>
+        </p:style>
+        <p:txBody>
+          <a:bodyPr rtlCol="0" anchor="ctr"/>
+          <a:lstStyle/>
+          <a:p>
+            <a:pPr algn="ctr"/>
+            <a:r>
+              <a:rPr lang="zh-CN" altLang="en-US" dirty="0" smtClean="0">
+                <a:solidFill>
+                  <a:schemeClr val="tx1"/>
+                </a:solidFill>
+              </a:rPr>
+              <a:t>持续集成工具</a:t>
+            </a:r>
+            <a:endParaRPr lang="en-US" altLang="zh-CN" dirty="0" smtClean="0">
+              <a:solidFill>
+                <a:schemeClr val="tx1"/>
+              </a:solidFill>
+            </a:endParaRPr>
+          </a:p>
+          <a:p>
+            <a:pPr algn="ctr"/>
+            <a:r>
+              <a:rPr lang="en-US" altLang="zh-CN" dirty="0" smtClean="0">
+                <a:solidFill>
+                  <a:schemeClr val="tx1"/>
+                </a:solidFill>
+              </a:rPr>
+              <a:t>(Jenkins)</a:t>
+            </a:r>
+            <a:endParaRPr lang="zh-CN" altLang="en-US" dirty="0">
+              <a:solidFill>
+                <a:schemeClr val="tx1"/>
+              </a:solidFill>
+            </a:endParaRPr>
+          </a:p>
+        </p:txBody>
+      </p:sp>
+      <p:cxnSp>
+        <p:nvCxnSpPr>
+          <p:cNvPr id="10" name="直接箭头连接符 9"/>
+          <p:cNvCxnSpPr>
+            <a:stCxn id="12" idx="3"/>
+            <a:endCxn id="2" idx="2"/>
+          </p:cNvCxnSpPr>
+          <p:nvPr/>
+        </p:nvCxnSpPr>
+        <p:spPr>
+          <a:xfrm flipV="1">
+            <a:off x="1296369" y="4018722"/>
+            <a:ext cx="1179711" cy="16102"/>
+          </a:xfrm>
+          <a:prstGeom prst="straightConnector1">
+            <a:avLst/>
+          </a:prstGeom>
+          <a:ln>
+            <a:solidFill>
+              <a:schemeClr val="accent1"/>
+            </a:solidFill>
+            <a:tailEnd type="triangle"/>
+          </a:ln>
+        </p:spPr>
+        <p:style>
+          <a:lnRef idx="1">
+            <a:schemeClr val="accent1"/>
+          </a:lnRef>
+          <a:fillRef idx="0">
+            <a:schemeClr val="accent1"/>
+          </a:fillRef>
+          <a:effectRef idx="0">
+            <a:schemeClr val="accent1"/>
+          </a:effectRef>
+          <a:fontRef idx="minor">
+            <a:schemeClr val="tx1"/>
+          </a:fontRef>
+        </p:style>
+      </p:cxnSp>
+      <p:sp>
+        <p:nvSpPr>
+          <p:cNvPr id="12" name="圆角矩形 11"/>
+          <p:cNvSpPr/>
+          <p:nvPr/>
+        </p:nvSpPr>
+        <p:spPr>
+          <a:xfrm>
+            <a:off x="268049" y="3568915"/>
+            <a:ext cx="1028320" cy="931817"/>
+          </a:xfrm>
+          <a:prstGeom prst="roundRect">
+            <a:avLst/>
+          </a:prstGeom>
+          <a:solidFill>
+            <a:schemeClr val="bg1"/>
+          </a:solidFill>
+          <a:ln>
+            <a:solidFill>
+              <a:schemeClr val="tx1"/>
+            </a:solidFill>
+          </a:ln>
+        </p:spPr>
+        <p:style>
+          <a:lnRef idx="2">
+            <a:schemeClr val="accent1">
+              <a:shade val="50000"/>
+            </a:schemeClr>
+          </a:lnRef>
+          <a:fillRef idx="1">
+            <a:schemeClr val="accent1"/>
+          </a:fillRef>
+          <a:effectRef idx="0">
+            <a:schemeClr val="accent1"/>
+          </a:effectRef>
+          <a:fontRef idx="minor">
+            <a:schemeClr val="lt1"/>
+          </a:fontRef>
+        </p:style>
+        <p:txBody>
+          <a:bodyPr rtlCol="0" anchor="ctr"/>
+          <a:lstStyle/>
+          <a:p>
+            <a:pPr algn="ctr"/>
+            <a:r>
+              <a:rPr lang="zh-CN" altLang="en-US" dirty="0" smtClean="0">
+                <a:solidFill>
+                  <a:schemeClr val="tx1"/>
+                </a:solidFill>
+              </a:rPr>
+              <a:t>开发者</a:t>
+            </a:r>
+            <a:endParaRPr lang="zh-CN" altLang="en-US" dirty="0">
+              <a:solidFill>
+                <a:schemeClr val="tx1"/>
+              </a:solidFill>
+            </a:endParaRPr>
+          </a:p>
+        </p:txBody>
+      </p:sp>
+      <p:cxnSp>
+        <p:nvCxnSpPr>
+          <p:cNvPr id="19" name="直接箭头连接符 18"/>
+          <p:cNvCxnSpPr>
+            <a:stCxn id="2" idx="4"/>
+            <a:endCxn id="8" idx="1"/>
+          </p:cNvCxnSpPr>
+          <p:nvPr/>
+        </p:nvCxnSpPr>
+        <p:spPr>
+          <a:xfrm flipV="1">
+            <a:off x="3837046" y="4008697"/>
+            <a:ext cx="1761461" cy="10025"/>
+          </a:xfrm>
+          <a:prstGeom prst="straightConnector1">
+            <a:avLst/>
+          </a:prstGeom>
+          <a:ln>
+            <a:prstDash val="sysDash"/>
+            <a:tailEnd type="triangle"/>
+          </a:ln>
+        </p:spPr>
+        <p:style>
+          <a:lnRef idx="1">
+            <a:schemeClr val="accent1"/>
+          </a:lnRef>
+          <a:fillRef idx="0">
+            <a:schemeClr val="accent1"/>
+          </a:fillRef>
+          <a:effectRef idx="0">
+            <a:schemeClr val="accent1"/>
+          </a:effectRef>
+          <a:fontRef idx="minor">
+            <a:schemeClr val="tx1"/>
+          </a:fontRef>
+        </p:style>
+      </p:cxnSp>
+      <p:sp>
+        <p:nvSpPr>
+          <p:cNvPr id="20" name="文本框 19"/>
+          <p:cNvSpPr txBox="1"/>
+          <p:nvPr/>
+        </p:nvSpPr>
+        <p:spPr>
+          <a:xfrm>
+            <a:off x="4171424" y="3665491"/>
+            <a:ext cx="654346" cy="369332"/>
+          </a:xfrm>
+          <a:prstGeom prst="rect">
+            <a:avLst/>
+          </a:prstGeom>
+          <a:noFill/>
+        </p:spPr>
+        <p:txBody>
+          <a:bodyPr wrap="none" rtlCol="0">
+            <a:spAutoFit/>
+          </a:bodyPr>
+          <a:lstStyle/>
+          <a:p>
+            <a:r>
+              <a:rPr lang="en-US" altLang="zh-CN" dirty="0" smtClean="0"/>
+              <a:t>hook</a:t>
+            </a:r>
+            <a:endParaRPr lang="zh-CN" altLang="en-US" dirty="0"/>
+          </a:p>
+        </p:txBody>
+      </p:sp>
+      <p:cxnSp>
+        <p:nvCxnSpPr>
+          <p:cNvPr id="22" name="直接箭头连接符 21"/>
+          <p:cNvCxnSpPr/>
+          <p:nvPr/>
+        </p:nvCxnSpPr>
+        <p:spPr>
+          <a:xfrm flipH="1">
+            <a:off x="3837047" y="4378029"/>
+            <a:ext cx="1761460" cy="0"/>
+          </a:xfrm>
+          <a:prstGeom prst="straightConnector1">
+            <a:avLst/>
+          </a:prstGeom>
+          <a:ln>
+            <a:tailEnd type="triangle"/>
+          </a:ln>
+        </p:spPr>
+        <p:style>
+          <a:lnRef idx="1">
+            <a:schemeClr val="accent1"/>
+          </a:lnRef>
+          <a:fillRef idx="0">
+            <a:schemeClr val="accent1"/>
+          </a:fillRef>
+          <a:effectRef idx="0">
+            <a:schemeClr val="accent1"/>
+          </a:effectRef>
+          <a:fontRef idx="minor">
+            <a:schemeClr val="tx1"/>
+          </a:fontRef>
+        </p:style>
+      </p:cxnSp>
+      <p:sp>
+        <p:nvSpPr>
+          <p:cNvPr id="27" name="文本框 26"/>
+          <p:cNvSpPr txBox="1"/>
+          <p:nvPr/>
+        </p:nvSpPr>
+        <p:spPr>
+          <a:xfrm>
+            <a:off x="4171424" y="4406557"/>
+            <a:ext cx="1132114" cy="369332"/>
+          </a:xfrm>
+          <a:prstGeom prst="rect">
+            <a:avLst/>
+          </a:prstGeom>
+          <a:noFill/>
+        </p:spPr>
+        <p:txBody>
+          <a:bodyPr wrap="square" rtlCol="0">
+            <a:spAutoFit/>
+          </a:bodyPr>
+          <a:lstStyle/>
+          <a:p>
+            <a:r>
+              <a:rPr lang="en-US" altLang="zh-CN" dirty="0"/>
+              <a:t>p</a:t>
+            </a:r>
+            <a:r>
+              <a:rPr lang="en-US" altLang="zh-CN" dirty="0" smtClean="0"/>
+              <a:t>ull code</a:t>
+            </a:r>
+            <a:endParaRPr lang="zh-CN" altLang="en-US" dirty="0"/>
+          </a:p>
+        </p:txBody>
+      </p:sp>
+      <p:sp>
+        <p:nvSpPr>
+          <p:cNvPr id="29" name="文本框 28"/>
+          <p:cNvSpPr txBox="1"/>
+          <p:nvPr/>
+        </p:nvSpPr>
+        <p:spPr>
+          <a:xfrm>
+            <a:off x="1251056" y="3713780"/>
+            <a:ext cx="1317668" cy="646331"/>
+          </a:xfrm>
+          <a:prstGeom prst="rect">
+            <a:avLst/>
+          </a:prstGeom>
+          <a:noFill/>
+        </p:spPr>
+        <p:txBody>
+          <a:bodyPr wrap="none" rtlCol="0">
+            <a:spAutoFit/>
+          </a:bodyPr>
+          <a:lstStyle/>
+          <a:p>
+            <a:r>
+              <a:rPr lang="en-US" altLang="zh-CN" dirty="0" err="1" smtClean="0"/>
+              <a:t>commit&amp;UT</a:t>
+            </a:r>
+            <a:endParaRPr lang="en-US" altLang="zh-CN" dirty="0" smtClean="0"/>
+          </a:p>
+          <a:p>
+            <a:endParaRPr lang="zh-CN" altLang="en-US" dirty="0"/>
+          </a:p>
+        </p:txBody>
+      </p:sp>
+      <p:cxnSp>
+        <p:nvCxnSpPr>
+          <p:cNvPr id="34" name="直接箭头连接符 33"/>
+          <p:cNvCxnSpPr/>
+          <p:nvPr/>
+        </p:nvCxnSpPr>
+        <p:spPr>
+          <a:xfrm>
+            <a:off x="7036534" y="2602400"/>
+            <a:ext cx="0" cy="934312"/>
+          </a:xfrm>
+          <a:prstGeom prst="straightConnector1">
+            <a:avLst/>
+          </a:prstGeom>
+          <a:ln>
+            <a:tailEnd type="triangle"/>
+          </a:ln>
+        </p:spPr>
+        <p:style>
+          <a:lnRef idx="1">
+            <a:schemeClr val="accent1"/>
+          </a:lnRef>
+          <a:fillRef idx="0">
+            <a:schemeClr val="accent1"/>
+          </a:fillRef>
+          <a:effectRef idx="0">
+            <a:schemeClr val="accent1"/>
+          </a:effectRef>
+          <a:fontRef idx="minor">
+            <a:schemeClr val="tx1"/>
+          </a:fontRef>
+        </p:style>
+      </p:cxnSp>
+      <p:cxnSp>
+        <p:nvCxnSpPr>
+          <p:cNvPr id="36" name="直接箭头连接符 35"/>
+          <p:cNvCxnSpPr/>
+          <p:nvPr/>
+        </p:nvCxnSpPr>
+        <p:spPr>
+          <a:xfrm flipV="1">
+            <a:off x="6017630" y="2643352"/>
+            <a:ext cx="8709" cy="893360"/>
+          </a:xfrm>
+          <a:prstGeom prst="straightConnector1">
+            <a:avLst/>
+          </a:prstGeom>
+          <a:ln>
+            <a:tailEnd type="triangle"/>
+          </a:ln>
+        </p:spPr>
+        <p:style>
+          <a:lnRef idx="1">
+            <a:schemeClr val="accent1"/>
+          </a:lnRef>
+          <a:fillRef idx="0">
+            <a:schemeClr val="accent1"/>
+          </a:fillRef>
+          <a:effectRef idx="0">
+            <a:schemeClr val="accent1"/>
+          </a:effectRef>
+          <a:fontRef idx="minor">
+            <a:schemeClr val="tx1"/>
+          </a:fontRef>
+        </p:style>
+      </p:cxnSp>
+      <p:sp>
+        <p:nvSpPr>
+          <p:cNvPr id="37" name="文本框 36"/>
+          <p:cNvSpPr txBox="1"/>
+          <p:nvPr/>
+        </p:nvSpPr>
+        <p:spPr>
+          <a:xfrm>
+            <a:off x="5386420" y="2842370"/>
+            <a:ext cx="639919" cy="369332"/>
+          </a:xfrm>
+          <a:prstGeom prst="rect">
+            <a:avLst/>
+          </a:prstGeom>
+          <a:noFill/>
+        </p:spPr>
+        <p:txBody>
+          <a:bodyPr wrap="none" rtlCol="0">
+            <a:spAutoFit/>
+          </a:bodyPr>
+          <a:lstStyle/>
+          <a:p>
+            <a:r>
+              <a:rPr lang="en-US" altLang="zh-CN" dirty="0" smtClean="0"/>
+              <a:t>push</a:t>
+            </a:r>
+            <a:endParaRPr lang="zh-CN" altLang="en-US" dirty="0"/>
+          </a:p>
+        </p:txBody>
+      </p:sp>
+      <p:sp>
+        <p:nvSpPr>
+          <p:cNvPr id="38" name="文本框 37"/>
+          <p:cNvSpPr txBox="1"/>
+          <p:nvPr/>
+        </p:nvSpPr>
+        <p:spPr>
+          <a:xfrm>
+            <a:off x="7045243" y="2842370"/>
+            <a:ext cx="534121" cy="369332"/>
+          </a:xfrm>
+          <a:prstGeom prst="rect">
+            <a:avLst/>
+          </a:prstGeom>
+          <a:noFill/>
+        </p:spPr>
+        <p:txBody>
+          <a:bodyPr wrap="none" rtlCol="0">
+            <a:spAutoFit/>
+          </a:bodyPr>
+          <a:lstStyle/>
+          <a:p>
+            <a:r>
+              <a:rPr lang="en-US" altLang="zh-CN" dirty="0" smtClean="0"/>
+              <a:t>pull</a:t>
+            </a:r>
+            <a:endParaRPr lang="zh-CN" altLang="en-US" dirty="0"/>
+          </a:p>
+        </p:txBody>
+      </p:sp>
+      <p:sp>
+        <p:nvSpPr>
+          <p:cNvPr id="39" name="圆角矩形 38"/>
+          <p:cNvSpPr/>
+          <p:nvPr/>
+        </p:nvSpPr>
+        <p:spPr>
+          <a:xfrm>
+            <a:off x="8101765" y="3542788"/>
+            <a:ext cx="1782724" cy="931817"/>
+          </a:xfrm>
+          <a:prstGeom prst="roundRect">
+            <a:avLst/>
+          </a:prstGeom>
+          <a:solidFill>
+            <a:schemeClr val="bg1"/>
+          </a:solidFill>
+          <a:ln>
+            <a:solidFill>
+              <a:schemeClr val="tx1"/>
+            </a:solidFill>
+          </a:ln>
+        </p:spPr>
+        <p:style>
+          <a:lnRef idx="2">
+            <a:schemeClr val="accent1">
+              <a:shade val="50000"/>
+            </a:schemeClr>
+          </a:lnRef>
+          <a:fillRef idx="1">
+            <a:schemeClr val="accent1"/>
+          </a:fillRef>
+          <a:effectRef idx="0">
+            <a:schemeClr val="accent1"/>
+          </a:effectRef>
+          <a:fontRef idx="minor">
+            <a:schemeClr val="lt1"/>
+          </a:fontRef>
+        </p:style>
+        <p:txBody>
+          <a:bodyPr rtlCol="0" anchor="ctr"/>
+          <a:lstStyle/>
+          <a:p>
+            <a:pPr algn="ctr"/>
+            <a:r>
+              <a:rPr lang="zh-CN" altLang="en-US" dirty="0" smtClean="0">
+                <a:solidFill>
+                  <a:schemeClr val="tx1"/>
+                </a:solidFill>
+              </a:rPr>
+              <a:t>持续交付</a:t>
+            </a:r>
+            <a:endParaRPr lang="en-US" altLang="zh-CN" dirty="0" smtClean="0">
+              <a:solidFill>
+                <a:schemeClr val="tx1"/>
+              </a:solidFill>
+            </a:endParaRPr>
+          </a:p>
+          <a:p>
+            <a:pPr algn="ctr"/>
+            <a:r>
+              <a:rPr lang="zh-CN" altLang="en-US" dirty="0">
+                <a:solidFill>
+                  <a:schemeClr val="tx1"/>
+                </a:solidFill>
+              </a:rPr>
+              <a:t>自动</a:t>
+            </a:r>
+          </a:p>
+        </p:txBody>
+      </p:sp>
+      <p:sp>
+        <p:nvSpPr>
+          <p:cNvPr id="41" name="圆角矩形 40"/>
+          <p:cNvSpPr/>
+          <p:nvPr/>
+        </p:nvSpPr>
+        <p:spPr>
+          <a:xfrm>
+            <a:off x="5598507" y="4798033"/>
+            <a:ext cx="1782724" cy="931817"/>
+          </a:xfrm>
+          <a:prstGeom prst="roundRect">
+            <a:avLst/>
+          </a:prstGeom>
+          <a:solidFill>
+            <a:schemeClr val="bg1"/>
+          </a:solidFill>
+          <a:ln>
+            <a:solidFill>
+              <a:schemeClr val="tx1"/>
+            </a:solidFill>
+          </a:ln>
+        </p:spPr>
+        <p:style>
+          <a:lnRef idx="2">
+            <a:schemeClr val="accent1">
+              <a:shade val="50000"/>
+            </a:schemeClr>
+          </a:lnRef>
+          <a:fillRef idx="1">
+            <a:schemeClr val="accent1"/>
+          </a:fillRef>
+          <a:effectRef idx="0">
+            <a:schemeClr val="accent1"/>
+          </a:effectRef>
+          <a:fontRef idx="minor">
+            <a:schemeClr val="lt1"/>
+          </a:fontRef>
+        </p:style>
+        <p:txBody>
+          <a:bodyPr rtlCol="0" anchor="ctr"/>
+          <a:lstStyle/>
+          <a:p>
+            <a:pPr algn="ctr"/>
+            <a:r>
+              <a:rPr lang="en-US" altLang="zh-CN" dirty="0" err="1" smtClean="0">
+                <a:solidFill>
+                  <a:schemeClr val="tx1"/>
+                </a:solidFill>
+              </a:rPr>
+              <a:t>Build&amp;UT</a:t>
+            </a:r>
+            <a:endParaRPr lang="en-US" altLang="zh-CN" dirty="0" smtClean="0">
+              <a:solidFill>
+                <a:schemeClr val="tx1"/>
+              </a:solidFill>
+            </a:endParaRPr>
+          </a:p>
+          <a:p>
+            <a:pPr algn="ctr"/>
+            <a:r>
+              <a:rPr lang="zh-CN" altLang="en-US" dirty="0">
+                <a:solidFill>
+                  <a:schemeClr val="tx1"/>
+                </a:solidFill>
+              </a:rPr>
+              <a:t>手动</a:t>
+            </a:r>
+          </a:p>
+        </p:txBody>
+      </p:sp>
+      <p:cxnSp>
+        <p:nvCxnSpPr>
+          <p:cNvPr id="43" name="直接箭头连接符 42"/>
+          <p:cNvCxnSpPr>
+            <a:stCxn id="8" idx="2"/>
+            <a:endCxn id="41" idx="0"/>
+          </p:cNvCxnSpPr>
+          <p:nvPr/>
+        </p:nvCxnSpPr>
+        <p:spPr>
+          <a:xfrm>
+            <a:off x="6489869" y="4474605"/>
+            <a:ext cx="0" cy="323428"/>
+          </a:xfrm>
+          <a:prstGeom prst="straightConnector1">
+            <a:avLst/>
+          </a:prstGeom>
+          <a:ln>
+            <a:tailEnd type="triangle"/>
+          </a:ln>
+        </p:spPr>
+        <p:style>
+          <a:lnRef idx="1">
+            <a:schemeClr val="accent1"/>
+          </a:lnRef>
+          <a:fillRef idx="0">
+            <a:schemeClr val="accent1"/>
+          </a:fillRef>
+          <a:effectRef idx="0">
+            <a:schemeClr val="accent1"/>
+          </a:effectRef>
+          <a:fontRef idx="minor">
+            <a:schemeClr val="tx1"/>
+          </a:fontRef>
+        </p:style>
+      </p:cxnSp>
+      <p:cxnSp>
+        <p:nvCxnSpPr>
+          <p:cNvPr id="47" name="肘形连接符 46"/>
+          <p:cNvCxnSpPr>
+            <a:stCxn id="41" idx="2"/>
+            <a:endCxn id="12" idx="2"/>
+          </p:cNvCxnSpPr>
+          <p:nvPr/>
+        </p:nvCxnSpPr>
+        <p:spPr>
+          <a:xfrm rot="5400000" flipH="1">
+            <a:off x="3021480" y="2261461"/>
+            <a:ext cx="1229118" cy="5707660"/>
+          </a:xfrm>
+          <a:prstGeom prst="bentConnector3">
+            <a:avLst>
+              <a:gd name="adj1" fmla="val -18599"/>
+            </a:avLst>
+          </a:prstGeom>
+          <a:ln>
+            <a:tailEnd type="triangle"/>
+          </a:ln>
+        </p:spPr>
+        <p:style>
+          <a:lnRef idx="1">
+            <a:schemeClr val="accent1"/>
+          </a:lnRef>
+          <a:fillRef idx="0">
+            <a:schemeClr val="accent1"/>
+          </a:fillRef>
+          <a:effectRef idx="0">
+            <a:schemeClr val="accent1"/>
+          </a:effectRef>
+          <a:fontRef idx="minor">
+            <a:schemeClr val="tx1"/>
+          </a:fontRef>
+        </p:style>
+      </p:cxnSp>
+      <p:sp>
+        <p:nvSpPr>
+          <p:cNvPr id="48" name="文本框 47"/>
+          <p:cNvSpPr txBox="1"/>
+          <p:nvPr/>
+        </p:nvSpPr>
+        <p:spPr>
+          <a:xfrm>
+            <a:off x="2381812" y="5572259"/>
+            <a:ext cx="2283767" cy="369332"/>
+          </a:xfrm>
+          <a:prstGeom prst="rect">
+            <a:avLst/>
+          </a:prstGeom>
+          <a:noFill/>
+        </p:spPr>
+        <p:txBody>
+          <a:bodyPr wrap="none" rtlCol="0">
+            <a:spAutoFit/>
+          </a:bodyPr>
+          <a:lstStyle/>
+          <a:p>
+            <a:r>
+              <a:rPr lang="en-US" altLang="zh-CN" dirty="0" smtClean="0"/>
+              <a:t>Send </a:t>
+            </a:r>
+            <a:r>
+              <a:rPr lang="en-US" altLang="zh-CN" dirty="0" err="1" smtClean="0"/>
+              <a:t>Build&amp;UT</a:t>
+            </a:r>
+            <a:r>
+              <a:rPr lang="en-US" altLang="zh-CN" dirty="0" smtClean="0"/>
+              <a:t> Report</a:t>
+            </a:r>
+            <a:endParaRPr lang="zh-CN" altLang="en-US" dirty="0"/>
+          </a:p>
+        </p:txBody>
+      </p:sp>
+      <p:cxnSp>
+        <p:nvCxnSpPr>
+          <p:cNvPr id="51" name="直接箭头连接符 50"/>
+          <p:cNvCxnSpPr>
+            <a:stCxn id="8" idx="3"/>
+            <a:endCxn id="39" idx="1"/>
+          </p:cNvCxnSpPr>
+          <p:nvPr/>
+        </p:nvCxnSpPr>
+        <p:spPr>
+          <a:xfrm>
+            <a:off x="7381231" y="4008697"/>
+            <a:ext cx="720534" cy="0"/>
+          </a:xfrm>
+          <a:prstGeom prst="straightConnector1">
+            <a:avLst/>
+          </a:prstGeom>
+          <a:ln>
+            <a:tailEnd type="triangle"/>
+          </a:ln>
+        </p:spPr>
+        <p:style>
+          <a:lnRef idx="1">
+            <a:schemeClr val="accent1"/>
+          </a:lnRef>
+          <a:fillRef idx="0">
+            <a:schemeClr val="accent1"/>
+          </a:fillRef>
+          <a:effectRef idx="0">
+            <a:schemeClr val="accent1"/>
+          </a:effectRef>
+          <a:fontRef idx="minor">
+            <a:schemeClr val="tx1"/>
+          </a:fontRef>
+        </p:style>
+      </p:cxnSp>
+      <p:cxnSp>
+        <p:nvCxnSpPr>
+          <p:cNvPr id="65" name="肘形连接符 64"/>
+          <p:cNvCxnSpPr>
+            <a:stCxn id="39" idx="2"/>
+            <a:endCxn id="12" idx="2"/>
+          </p:cNvCxnSpPr>
+          <p:nvPr/>
+        </p:nvCxnSpPr>
+        <p:spPr>
+          <a:xfrm rot="5400000">
+            <a:off x="4874605" y="382209"/>
+            <a:ext cx="26127" cy="8210918"/>
+          </a:xfrm>
+          <a:prstGeom prst="bentConnector3">
+            <a:avLst>
+              <a:gd name="adj1" fmla="val 6974658"/>
+            </a:avLst>
+          </a:prstGeom>
+          <a:ln>
+            <a:tailEnd type="triangle"/>
+          </a:ln>
+        </p:spPr>
+        <p:style>
+          <a:lnRef idx="1">
+            <a:schemeClr val="accent1"/>
+          </a:lnRef>
+          <a:fillRef idx="0">
+            <a:schemeClr val="accent1"/>
+          </a:fillRef>
+          <a:effectRef idx="0">
+            <a:schemeClr val="accent1"/>
+          </a:effectRef>
+          <a:fontRef idx="minor">
+            <a:schemeClr val="tx1"/>
+          </a:fontRef>
+        </p:style>
+      </p:cxnSp>
+      <p:sp>
+        <p:nvSpPr>
+          <p:cNvPr id="72" name="文本框 71"/>
+          <p:cNvSpPr txBox="1"/>
+          <p:nvPr/>
+        </p:nvSpPr>
+        <p:spPr>
+          <a:xfrm>
+            <a:off x="2434009" y="6391444"/>
+            <a:ext cx="2510174" cy="369332"/>
+          </a:xfrm>
+          <a:prstGeom prst="rect">
+            <a:avLst/>
+          </a:prstGeom>
+          <a:noFill/>
+        </p:spPr>
+        <p:txBody>
+          <a:bodyPr wrap="none" rtlCol="0">
+            <a:spAutoFit/>
+          </a:bodyPr>
+          <a:lstStyle/>
+          <a:p>
+            <a:r>
+              <a:rPr lang="en-US" altLang="zh-CN" dirty="0" smtClean="0"/>
+              <a:t>Send </a:t>
+            </a:r>
+            <a:r>
+              <a:rPr lang="en-US" altLang="zh-CN" dirty="0" err="1" smtClean="0"/>
+              <a:t>deploy&amp;run</a:t>
+            </a:r>
+            <a:r>
+              <a:rPr lang="en-US" altLang="zh-CN" dirty="0" smtClean="0"/>
+              <a:t> Report</a:t>
+            </a:r>
+            <a:endParaRPr lang="zh-CN" altLang="en-US" dirty="0"/>
+          </a:p>
+        </p:txBody>
+      </p:sp>
+      <p:sp>
+        <p:nvSpPr>
+          <p:cNvPr id="75" name="流程图: 多文档 74"/>
+          <p:cNvSpPr/>
+          <p:nvPr/>
+        </p:nvSpPr>
+        <p:spPr>
+          <a:xfrm>
+            <a:off x="10685424" y="3004477"/>
+            <a:ext cx="957943" cy="809897"/>
+          </a:xfrm>
+          <a:prstGeom prst="flowChartMultidocument">
+            <a:avLst/>
+          </a:prstGeom>
+        </p:spPr>
+        <p:style>
+          <a:lnRef idx="2">
+            <a:schemeClr val="accent1">
+              <a:shade val="50000"/>
+            </a:schemeClr>
+          </a:lnRef>
+          <a:fillRef idx="1">
+            <a:schemeClr val="accent1"/>
+          </a:fillRef>
+          <a:effectRef idx="0">
+            <a:schemeClr val="accent1"/>
+          </a:effectRef>
+          <a:fontRef idx="minor">
+            <a:schemeClr val="lt1"/>
+          </a:fontRef>
+        </p:style>
+        <p:txBody>
+          <a:bodyPr rtlCol="0" anchor="ctr"/>
+          <a:lstStyle/>
+          <a:p>
+            <a:pPr algn="ctr"/>
+            <a:r>
+              <a:rPr lang="en-US" altLang="zh-CN" dirty="0" smtClean="0"/>
+              <a:t>SIT</a:t>
+            </a:r>
+            <a:endParaRPr lang="zh-CN" altLang="en-US" dirty="0"/>
+          </a:p>
+        </p:txBody>
+      </p:sp>
+      <p:sp>
+        <p:nvSpPr>
+          <p:cNvPr id="76" name="流程图: 多文档 75"/>
+          <p:cNvSpPr/>
+          <p:nvPr/>
+        </p:nvSpPr>
+        <p:spPr>
+          <a:xfrm>
+            <a:off x="10685424" y="4428328"/>
+            <a:ext cx="957943" cy="809897"/>
+          </a:xfrm>
+          <a:prstGeom prst="flowChartMultidocument">
+            <a:avLst/>
+          </a:prstGeom>
+        </p:spPr>
+        <p:style>
+          <a:lnRef idx="2">
+            <a:schemeClr val="accent1">
+              <a:shade val="50000"/>
+            </a:schemeClr>
+          </a:lnRef>
+          <a:fillRef idx="1">
+            <a:schemeClr val="accent1"/>
+          </a:fillRef>
+          <a:effectRef idx="0">
+            <a:schemeClr val="accent1"/>
+          </a:effectRef>
+          <a:fontRef idx="minor">
+            <a:schemeClr val="lt1"/>
+          </a:fontRef>
+        </p:style>
+        <p:txBody>
+          <a:bodyPr rtlCol="0" anchor="ctr"/>
+          <a:lstStyle/>
+          <a:p>
+            <a:pPr algn="ctr"/>
+            <a:r>
+              <a:rPr lang="en-US" altLang="zh-CN" dirty="0" smtClean="0"/>
+              <a:t>UAT</a:t>
+            </a:r>
+            <a:endParaRPr lang="zh-CN" altLang="en-US" dirty="0"/>
+          </a:p>
+        </p:txBody>
+      </p:sp>
+      <p:sp>
+        <p:nvSpPr>
+          <p:cNvPr id="77" name="流程图: 多文档 76"/>
+          <p:cNvSpPr/>
+          <p:nvPr/>
+        </p:nvSpPr>
+        <p:spPr>
+          <a:xfrm>
+            <a:off x="10685424" y="5852179"/>
+            <a:ext cx="957943" cy="809897"/>
+          </a:xfrm>
+          <a:prstGeom prst="flowChartMultidocument">
+            <a:avLst/>
+          </a:prstGeom>
+        </p:spPr>
+        <p:style>
+          <a:lnRef idx="2">
+            <a:schemeClr val="accent1">
+              <a:shade val="50000"/>
+            </a:schemeClr>
+          </a:lnRef>
+          <a:fillRef idx="1">
+            <a:schemeClr val="accent1"/>
+          </a:fillRef>
+          <a:effectRef idx="0">
+            <a:schemeClr val="accent1"/>
+          </a:effectRef>
+          <a:fontRef idx="minor">
+            <a:schemeClr val="lt1"/>
+          </a:fontRef>
+        </p:style>
+        <p:txBody>
+          <a:bodyPr rtlCol="0" anchor="ctr"/>
+          <a:lstStyle/>
+          <a:p>
+            <a:pPr algn="ctr"/>
+            <a:r>
+              <a:rPr lang="en-US" altLang="zh-CN" dirty="0" smtClean="0"/>
+              <a:t>Prod</a:t>
+            </a:r>
+            <a:endParaRPr lang="zh-CN" altLang="en-US" dirty="0"/>
+          </a:p>
+        </p:txBody>
+      </p:sp>
+      <p:cxnSp>
+        <p:nvCxnSpPr>
+          <p:cNvPr id="83" name="肘形连接符 82"/>
+          <p:cNvCxnSpPr>
+            <a:stCxn id="6" idx="4"/>
+            <a:endCxn id="75" idx="0"/>
+          </p:cNvCxnSpPr>
+          <p:nvPr/>
+        </p:nvCxnSpPr>
+        <p:spPr>
+          <a:xfrm>
+            <a:off x="7381231" y="2127600"/>
+            <a:ext cx="3849067" cy="876877"/>
+          </a:xfrm>
+          <a:prstGeom prst="bentConnector2">
+            <a:avLst/>
+          </a:prstGeom>
+          <a:ln>
+            <a:tailEnd type="triangle"/>
+          </a:ln>
+        </p:spPr>
+        <p:style>
+          <a:lnRef idx="1">
+            <a:schemeClr val="accent1"/>
+          </a:lnRef>
+          <a:fillRef idx="0">
+            <a:schemeClr val="accent1"/>
+          </a:fillRef>
+          <a:effectRef idx="0">
+            <a:schemeClr val="accent1"/>
+          </a:effectRef>
+          <a:fontRef idx="minor">
+            <a:schemeClr val="tx1"/>
+          </a:fontRef>
+        </p:style>
+      </p:cxnSp>
+      <p:cxnSp>
+        <p:nvCxnSpPr>
+          <p:cNvPr id="85" name="肘形连接符 84"/>
+          <p:cNvCxnSpPr>
+            <a:stCxn id="6" idx="4"/>
+            <a:endCxn id="76" idx="3"/>
+          </p:cNvCxnSpPr>
+          <p:nvPr/>
+        </p:nvCxnSpPr>
+        <p:spPr>
+          <a:xfrm>
+            <a:off x="7381231" y="2127600"/>
+            <a:ext cx="4262136" cy="2705677"/>
+          </a:xfrm>
+          <a:prstGeom prst="bentConnector3">
+            <a:avLst>
+              <a:gd name="adj1" fmla="val 105364"/>
+            </a:avLst>
+          </a:prstGeom>
+          <a:ln>
+            <a:tailEnd type="triangle"/>
+          </a:ln>
+        </p:spPr>
+        <p:style>
+          <a:lnRef idx="1">
+            <a:schemeClr val="accent1"/>
+          </a:lnRef>
+          <a:fillRef idx="0">
+            <a:schemeClr val="accent1"/>
+          </a:fillRef>
+          <a:effectRef idx="0">
+            <a:schemeClr val="accent1"/>
+          </a:effectRef>
+          <a:fontRef idx="minor">
+            <a:schemeClr val="tx1"/>
+          </a:fontRef>
+        </p:style>
+      </p:cxnSp>
+      <p:cxnSp>
+        <p:nvCxnSpPr>
+          <p:cNvPr id="87" name="肘形连接符 86"/>
+          <p:cNvCxnSpPr>
+            <a:stCxn id="6" idx="4"/>
+            <a:endCxn id="77" idx="3"/>
+          </p:cNvCxnSpPr>
+          <p:nvPr/>
+        </p:nvCxnSpPr>
+        <p:spPr>
+          <a:xfrm>
+            <a:off x="7381231" y="2127600"/>
+            <a:ext cx="4262136" cy="4129528"/>
+          </a:xfrm>
+          <a:prstGeom prst="bentConnector3">
+            <a:avLst>
+              <a:gd name="adj1" fmla="val 105364"/>
+            </a:avLst>
+          </a:prstGeom>
+          <a:ln>
+            <a:tailEnd type="triangle"/>
+          </a:ln>
+        </p:spPr>
+        <p:style>
+          <a:lnRef idx="1">
+            <a:schemeClr val="accent1"/>
+          </a:lnRef>
+          <a:fillRef idx="0">
+            <a:schemeClr val="accent1"/>
+          </a:fillRef>
+          <a:effectRef idx="0">
+            <a:schemeClr val="accent1"/>
+          </a:effectRef>
+          <a:fontRef idx="minor">
+            <a:schemeClr val="tx1"/>
+          </a:fontRef>
+        </p:style>
+      </p:cxnSp>
+      <p:sp>
+        <p:nvSpPr>
+          <p:cNvPr id="88" name="文本框 87"/>
+          <p:cNvSpPr txBox="1"/>
+          <p:nvPr/>
+        </p:nvSpPr>
+        <p:spPr>
+          <a:xfrm>
+            <a:off x="8101765" y="1675993"/>
+            <a:ext cx="1157368" cy="369332"/>
+          </a:xfrm>
+          <a:prstGeom prst="rect">
+            <a:avLst/>
+          </a:prstGeom>
+          <a:noFill/>
+        </p:spPr>
+        <p:txBody>
+          <a:bodyPr wrap="none" rtlCol="0">
+            <a:spAutoFit/>
+          </a:bodyPr>
+          <a:lstStyle/>
+          <a:p>
+            <a:r>
+              <a:rPr lang="en-US" altLang="zh-CN" dirty="0"/>
+              <a:t>p</a:t>
+            </a:r>
+            <a:r>
+              <a:rPr lang="en-US" altLang="zh-CN" dirty="0" smtClean="0"/>
+              <a:t>ull image</a:t>
+            </a:r>
+            <a:endParaRPr lang="zh-CN" altLang="en-US" dirty="0"/>
+          </a:p>
+        </p:txBody>
+      </p:sp>
+      <p:cxnSp>
+        <p:nvCxnSpPr>
+          <p:cNvPr id="90" name="肘形连接符 89"/>
+          <p:cNvCxnSpPr>
+            <a:endCxn id="75" idx="1"/>
+          </p:cNvCxnSpPr>
+          <p:nvPr/>
+        </p:nvCxnSpPr>
+        <p:spPr>
+          <a:xfrm flipV="1">
+            <a:off x="9884489" y="3409426"/>
+            <a:ext cx="800935" cy="599270"/>
+          </a:xfrm>
+          <a:prstGeom prst="bentConnector3">
+            <a:avLst/>
+          </a:prstGeom>
+          <a:ln>
+            <a:tailEnd type="triangle"/>
+          </a:ln>
+        </p:spPr>
+        <p:style>
+          <a:lnRef idx="1">
+            <a:schemeClr val="accent1"/>
+          </a:lnRef>
+          <a:fillRef idx="0">
+            <a:schemeClr val="accent1"/>
+          </a:fillRef>
+          <a:effectRef idx="0">
+            <a:schemeClr val="accent1"/>
+          </a:effectRef>
+          <a:fontRef idx="minor">
+            <a:schemeClr val="tx1"/>
+          </a:fontRef>
+        </p:style>
+      </p:cxnSp>
+      <p:cxnSp>
+        <p:nvCxnSpPr>
+          <p:cNvPr id="92" name="肘形连接符 91"/>
+          <p:cNvCxnSpPr>
+            <a:endCxn id="76" idx="1"/>
+          </p:cNvCxnSpPr>
+          <p:nvPr/>
+        </p:nvCxnSpPr>
+        <p:spPr>
+          <a:xfrm rot="16200000" flipH="1">
+            <a:off x="9877679" y="4025531"/>
+            <a:ext cx="814555" cy="800935"/>
+          </a:xfrm>
+          <a:prstGeom prst="bentConnector2">
+            <a:avLst/>
+          </a:prstGeom>
+          <a:ln>
+            <a:tailEnd type="triangle"/>
+          </a:ln>
+        </p:spPr>
+        <p:style>
+          <a:lnRef idx="1">
+            <a:schemeClr val="accent1"/>
+          </a:lnRef>
+          <a:fillRef idx="0">
+            <a:schemeClr val="accent1"/>
+          </a:fillRef>
+          <a:effectRef idx="0">
+            <a:schemeClr val="accent1"/>
+          </a:effectRef>
+          <a:fontRef idx="minor">
+            <a:schemeClr val="tx1"/>
+          </a:fontRef>
+        </p:style>
+      </p:cxnSp>
+      <p:cxnSp>
+        <p:nvCxnSpPr>
+          <p:cNvPr id="94" name="肘形连接符 93"/>
+          <p:cNvCxnSpPr>
+            <a:stCxn id="39" idx="3"/>
+            <a:endCxn id="77" idx="1"/>
+          </p:cNvCxnSpPr>
+          <p:nvPr/>
+        </p:nvCxnSpPr>
+        <p:spPr>
+          <a:xfrm>
+            <a:off x="9884489" y="4008697"/>
+            <a:ext cx="800935" cy="2248431"/>
+          </a:xfrm>
+          <a:prstGeom prst="bentConnector3">
+            <a:avLst/>
+          </a:prstGeom>
+          <a:ln>
+            <a:tailEnd type="triangle"/>
+          </a:ln>
+        </p:spPr>
+        <p:style>
+          <a:lnRef idx="1">
+            <a:schemeClr val="accent1"/>
+          </a:lnRef>
+          <a:fillRef idx="0">
+            <a:schemeClr val="accent1"/>
+          </a:fillRef>
+          <a:effectRef idx="0">
+            <a:schemeClr val="accent1"/>
+          </a:effectRef>
+          <a:fontRef idx="minor">
+            <a:schemeClr val="tx1"/>
+          </a:fontRef>
+        </p:style>
+      </p:cxnSp>
+      <p:sp>
+        <p:nvSpPr>
+          <p:cNvPr id="95" name="文本框 94"/>
+          <p:cNvSpPr txBox="1"/>
+          <p:nvPr/>
+        </p:nvSpPr>
+        <p:spPr>
+          <a:xfrm>
+            <a:off x="9770074" y="3644377"/>
+            <a:ext cx="821443" cy="369332"/>
+          </a:xfrm>
+          <a:prstGeom prst="rect">
+            <a:avLst/>
+          </a:prstGeom>
+          <a:noFill/>
+        </p:spPr>
+        <p:txBody>
+          <a:bodyPr wrap="none" rtlCol="0">
+            <a:spAutoFit/>
+          </a:bodyPr>
+          <a:lstStyle/>
+          <a:p>
+            <a:r>
+              <a:rPr lang="en-US" altLang="zh-CN" dirty="0" smtClean="0"/>
+              <a:t>deploy</a:t>
+            </a:r>
+            <a:endParaRPr lang="zh-CN" altLang="en-US" dirty="0"/>
+          </a:p>
+        </p:txBody>
+      </p:sp>
+      <p:sp>
+        <p:nvSpPr>
+          <p:cNvPr id="96" name="文本框 95"/>
+          <p:cNvSpPr txBox="1"/>
+          <p:nvPr/>
+        </p:nvSpPr>
+        <p:spPr>
+          <a:xfrm>
+            <a:off x="271808" y="2700557"/>
+            <a:ext cx="1107996" cy="369332"/>
+          </a:xfrm>
+          <a:prstGeom prst="rect">
+            <a:avLst/>
+          </a:prstGeom>
+          <a:noFill/>
+        </p:spPr>
+        <p:txBody>
+          <a:bodyPr wrap="none" rtlCol="0">
+            <a:spAutoFit/>
+          </a:bodyPr>
+          <a:lstStyle/>
+          <a:p>
+            <a:r>
+              <a:rPr lang="zh-CN" altLang="en-US" dirty="0" smtClean="0"/>
+              <a:t>持续集成</a:t>
+            </a:r>
+            <a:endParaRPr lang="zh-CN" altLang="en-US" dirty="0"/>
+          </a:p>
+        </p:txBody>
+      </p:sp>
+      <p:sp>
+        <p:nvSpPr>
+          <p:cNvPr id="97" name="文本框 96"/>
+          <p:cNvSpPr txBox="1"/>
+          <p:nvPr/>
+        </p:nvSpPr>
+        <p:spPr>
+          <a:xfrm>
+            <a:off x="8958301" y="952620"/>
+            <a:ext cx="1107996" cy="369332"/>
+          </a:xfrm>
+          <a:prstGeom prst="rect">
+            <a:avLst/>
+          </a:prstGeom>
+          <a:noFill/>
+        </p:spPr>
+        <p:txBody>
+          <a:bodyPr wrap="none" rtlCol="0">
+            <a:spAutoFit/>
+          </a:bodyPr>
+          <a:lstStyle/>
+          <a:p>
+            <a:r>
+              <a:rPr lang="zh-CN" altLang="en-US" dirty="0" smtClean="0"/>
+              <a:t>持续发布</a:t>
+            </a:r>
+            <a:endParaRPr lang="zh-CN" altLang="en-US" dirty="0"/>
+          </a:p>
+        </p:txBody>
+      </p:sp>
+      <p:sp>
+        <p:nvSpPr>
+          <p:cNvPr id="100" name="文本框 99"/>
+          <p:cNvSpPr txBox="1"/>
+          <p:nvPr/>
+        </p:nvSpPr>
+        <p:spPr>
+          <a:xfrm>
+            <a:off x="143060" y="586406"/>
+            <a:ext cx="1107996" cy="369332"/>
+          </a:xfrm>
+          <a:prstGeom prst="rect">
+            <a:avLst/>
+          </a:prstGeom>
+          <a:noFill/>
+        </p:spPr>
+        <p:txBody>
+          <a:bodyPr wrap="none" rtlCol="0">
+            <a:spAutoFit/>
+          </a:bodyPr>
+          <a:lstStyle/>
+          <a:p>
+            <a:r>
+              <a:rPr lang="zh-CN" altLang="en-US" dirty="0" smtClean="0"/>
+              <a:t>持续交付</a:t>
+            </a:r>
+            <a:endParaRPr lang="zh-CN" altLang="en-US" dirty="0"/>
+          </a:p>
+        </p:txBody>
+      </p:sp>
+      <p:sp>
+        <p:nvSpPr>
+          <p:cNvPr id="101" name="标题 1"/>
           <p:cNvSpPr txBox="1">
             <a:spLocks/>
           </p:cNvSpPr>
@@ -7753,8 +9332,8 @@
         </p:nvSpPr>
         <p:spPr>
           <a:xfrm>
-            <a:off x="313509" y="198631"/>
-            <a:ext cx="4206240" cy="931817"/>
+            <a:off x="3168781" y="12338"/>
+            <a:ext cx="4747309" cy="963543"/>
           </a:xfrm>
           <a:prstGeom prst="rect">
             <a:avLst/>
@@ -7785,10 +9364,26 @@
           </a:lstStyle>
           <a:p>
             <a:r>
-              <a:rPr lang="zh-CN" altLang="en-US" dirty="0" smtClean="0"/>
+              <a:rPr lang="zh-CN" altLang="en-US" sz="2800" dirty="0" smtClean="0"/>
               <a:t>持续集成</a:t>
             </a:r>
-            <a:endParaRPr lang="en-US" altLang="zh-CN" dirty="0" smtClean="0"/>
+            <a:r>
+              <a:rPr lang="en-US" altLang="zh-CN" sz="2800" dirty="0" smtClean="0"/>
+              <a:t>/</a:t>
+            </a:r>
+            <a:r>
+              <a:rPr lang="zh-CN" altLang="en-US" sz="2800" dirty="0" smtClean="0"/>
+              <a:t>持续发布</a:t>
+            </a:r>
+            <a:r>
+              <a:rPr lang="en-US" altLang="zh-CN" sz="2800" dirty="0" smtClean="0"/>
+              <a:t>/</a:t>
+            </a:r>
+            <a:r>
+              <a:rPr lang="zh-CN" altLang="en-US" sz="2800" dirty="0" smtClean="0"/>
+              <a:t>持续交付</a:t>
+            </a:r>
+            <a:endParaRPr lang="zh-CN" altLang="en-US" sz="2800" dirty="0"/>
           </a:p>
         </p:txBody>
       </p:sp>
@@ -7872,6 +9467,186 @@
           <a:p>
             <a:r>
               <a:rPr lang="zh-CN" altLang="en-US" dirty="0" smtClean="0"/>
+              <a:t>持续</a:t>
+            </a:r>
+            <a:r>
+              <a:rPr lang="zh-CN" altLang="en-US" dirty="0"/>
+              <a:t>交付</a:t>
+            </a:r>
+            <a:endParaRPr lang="en-US" altLang="zh-CN" dirty="0" smtClean="0"/>
+          </a:p>
+        </p:txBody>
+      </p:sp>
+    </p:spTree>
+    <p:extLst>
+      <p:ext uri="{BB962C8B-B14F-4D97-AF65-F5344CB8AC3E}">
+        <p14:creationId xmlns:p14="http://schemas.microsoft.com/office/powerpoint/2010/main" val="2583423337"/>
+      </p:ext>
+    </p:extLst>
+  </p:cSld>
+  <p:clrMapOvr>
+    <a:masterClrMapping/>
+  </p:clrMapOvr>
+  <p:timing>
+    <p:tnLst>
+      <p:par>
+        <p:cTn id="1" dur="indefinite" restart="never" nodeType="tmRoot"/>
+      </p:par>
+    </p:tnLst>
+  </p:timing>
+</p:sld>
+</file>
+
+<file path=ppt/slides/slide7.xml><?xml version="1.0" encoding="utf-8"?>
+<p:sld xmlns:a="http://schemas.openxmlformats.org/drawingml/2006/main" xmlns:r="http://schemas.openxmlformats.org/officeDocument/2006/relationships" xmlns:p="http://schemas.openxmlformats.org/presentationml/2006/main">
+  <p:cSld>
+    <p:spTree>
+      <p:nvGrpSpPr>
+        <p:cNvPr id="1" name=""/>
+        <p:cNvGrpSpPr/>
+        <p:nvPr/>
+      </p:nvGrpSpPr>
+      <p:grpSpPr>
+        <a:xfrm>
+          <a:off x="0" y="0"/>
+          <a:ext cx="0" cy="0"/>
+          <a:chOff x="0" y="0"/>
+          <a:chExt cx="0" cy="0"/>
+        </a:xfrm>
+      </p:grpSpPr>
+      <p:sp>
+        <p:nvSpPr>
+          <p:cNvPr id="4" name="标题 1"/>
+          <p:cNvSpPr txBox="1">
+            <a:spLocks/>
+          </p:cNvSpPr>
+          <p:nvPr/>
+        </p:nvSpPr>
+        <p:spPr>
+          <a:xfrm>
+            <a:off x="313509" y="198631"/>
+            <a:ext cx="4206240" cy="931817"/>
+          </a:xfrm>
+          <a:prstGeom prst="rect">
+            <a:avLst/>
+          </a:prstGeom>
+        </p:spPr>
+        <p:txBody>
+          <a:bodyPr vert="horz" lIns="91440" tIns="45720" rIns="91440" bIns="45720" rtlCol="0" anchor="ctr">
+            <a:normAutofit/>
+          </a:bodyPr>
+          <a:lstStyle>
+            <a:lvl1pPr algn="l" defTabSz="914400" rtl="0" eaLnBrk="1" latinLnBrk="0" hangingPunct="1">
+              <a:lnSpc>
+                <a:spcPct val="90000"/>
+              </a:lnSpc>
+              <a:spcBef>
+                <a:spcPct val="0"/>
+              </a:spcBef>
+              <a:buNone/>
+              <a:defRPr sz="4400" kern="1200">
+                <a:solidFill>
+                  <a:schemeClr val="tx1"/>
+                </a:solidFill>
+                <a:latin typeface="+mj-lt"/>
+                <a:ea typeface="+mj-ea"/>
+                <a:cs typeface="+mj-cs"/>
+              </a:defRPr>
+            </a:lvl1pPr>
+          </a:lstStyle>
+          <a:p>
+            <a:r>
+              <a:rPr lang="zh-CN" altLang="en-US" dirty="0" smtClean="0"/>
+              <a:t>持续</a:t>
+            </a:r>
+            <a:r>
+              <a:rPr lang="zh-CN" altLang="en-US" dirty="0" smtClean="0"/>
+              <a:t>发布</a:t>
+            </a:r>
+            <a:endParaRPr lang="en-US" altLang="zh-CN" dirty="0" smtClean="0"/>
+          </a:p>
+        </p:txBody>
+      </p:sp>
+    </p:spTree>
+    <p:extLst>
+      <p:ext uri="{BB962C8B-B14F-4D97-AF65-F5344CB8AC3E}">
+        <p14:creationId xmlns:p14="http://schemas.microsoft.com/office/powerpoint/2010/main" val="3454117269"/>
+      </p:ext>
+    </p:extLst>
+  </p:cSld>
+  <p:clrMapOvr>
+    <a:masterClrMapping/>
+  </p:clrMapOvr>
+  <p:timing>
+    <p:tnLst>
+      <p:par>
+        <p:cTn id="1" dur="indefinite" restart="never" nodeType="tmRoot"/>
+      </p:par>
+    </p:tnLst>
+  </p:timing>
+</p:sld>
+</file>
+
+<file path=ppt/slides/slide8.xml><?xml version="1.0" encoding="utf-8"?>
+<p:sld xmlns:a="http://schemas.openxmlformats.org/drawingml/2006/main" xmlns:r="http://schemas.openxmlformats.org/officeDocument/2006/relationships" xmlns:p="http://schemas.openxmlformats.org/presentationml/2006/main">
+  <p:cSld>
+    <p:spTree>
+      <p:nvGrpSpPr>
+        <p:cNvPr id="1" name=""/>
+        <p:cNvGrpSpPr/>
+        <p:nvPr/>
+      </p:nvGrpSpPr>
+      <p:grpSpPr>
+        <a:xfrm>
+          <a:off x="0" y="0"/>
+          <a:ext cx="0" cy="0"/>
+          <a:chOff x="0" y="0"/>
+          <a:chExt cx="0" cy="0"/>
+        </a:xfrm>
+      </p:grpSpPr>
+      <p:sp>
+        <p:nvSpPr>
+          <p:cNvPr id="4" name="标题 1"/>
+          <p:cNvSpPr txBox="1">
+            <a:spLocks/>
+          </p:cNvSpPr>
+          <p:nvPr/>
+        </p:nvSpPr>
+        <p:spPr>
+          <a:xfrm>
+            <a:off x="313509" y="198631"/>
+            <a:ext cx="4206240" cy="931817"/>
+          </a:xfrm>
+          <a:prstGeom prst="rect">
+            <a:avLst/>
+          </a:prstGeom>
+        </p:spPr>
+        <p:txBody>
+          <a:bodyPr vert="horz" lIns="91440" tIns="45720" rIns="91440" bIns="45720" rtlCol="0" anchor="ctr">
+            <a:normAutofit/>
+          </a:bodyPr>
+          <a:lstStyle>
+            <a:lvl1pPr algn="l" defTabSz="914400" rtl="0" eaLnBrk="1" latinLnBrk="0" hangingPunct="1">
+              <a:lnSpc>
+                <a:spcPct val="90000"/>
+              </a:lnSpc>
+              <a:spcBef>
+                <a:spcPct val="0"/>
+              </a:spcBef>
+              <a:buNone/>
+              <a:defRPr sz="4400" kern="1200">
+                <a:solidFill>
+                  <a:schemeClr val="tx1"/>
+                </a:solidFill>
+                <a:latin typeface="+mj-lt"/>
+                <a:ea typeface="+mj-ea"/>
+                <a:cs typeface="+mj-cs"/>
+              </a:defRPr>
+            </a:lvl1pPr>
+          </a:lstStyle>
+          <a:p>
+            <a:r>
+              <a:rPr lang="zh-CN" altLang="en-US" dirty="0" smtClean="0"/>
               <a:t>服务化框架</a:t>
             </a:r>
             <a:endParaRPr lang="zh-CN" altLang="en-US" dirty="0"/>
@@ -7898,7 +9673,7 @@
 </p:sld>
 </file>
 
-<file path=ppt/slides/slide7.xml><?xml version="1.0" encoding="utf-8"?>
+<file path=ppt/slides/slide9.xml><?xml version="1.0" encoding="utf-8"?>
 <p:sld xmlns:a="http://schemas.openxmlformats.org/drawingml/2006/main" xmlns:r="http://schemas.openxmlformats.org/officeDocument/2006/relationships" xmlns:p="http://schemas.openxmlformats.org/presentationml/2006/main">
   <p:cSld>
     <p:spTree>

--- a/document/design/上北智信前端框架.pptx
+++ b/document/design/上北智信前端框架.pptx
@@ -10,10 +10,7 @@
     <p:sldId id="259" r:id="rId4"/>
     <p:sldId id="260" r:id="rId5"/>
     <p:sldId id="263" r:id="rId6"/>
-    <p:sldId id="264" r:id="rId7"/>
-    <p:sldId id="265" r:id="rId8"/>
-    <p:sldId id="261" r:id="rId9"/>
-    <p:sldId id="262" r:id="rId10"/>
+    <p:sldId id="262" r:id="rId7"/>
   </p:sldIdLst>
   <p:sldSz cx="12192000" cy="6858000"/>
   <p:notesSz cx="6858000" cy="9144000"/>
@@ -7932,6 +7929,14 @@
               <a:rPr lang="zh-CN" altLang="en-US" dirty="0" smtClean="0"/>
               <a:t>代码仓库</a:t>
             </a:r>
+            <a:endParaRPr lang="en-US" altLang="zh-CN" dirty="0" smtClean="0"/>
+          </a:p>
+          <a:p>
+            <a:pPr algn="ctr"/>
+            <a:r>
+              <a:rPr lang="en-US" altLang="zh-CN" dirty="0" err="1" smtClean="0"/>
+              <a:t>github</a:t>
+            </a:r>
             <a:endParaRPr lang="zh-CN" altLang="en-US" dirty="0"/>
           </a:p>
         </p:txBody>
@@ -7979,6 +7984,14 @@
             <a:r>
               <a:rPr lang="zh-CN" altLang="en-US" dirty="0" smtClean="0"/>
               <a:t>镜像仓库</a:t>
+            </a:r>
+            <a:endParaRPr lang="en-US" altLang="zh-CN" dirty="0" smtClean="0"/>
+          </a:p>
+          <a:p>
+            <a:pPr algn="ctr"/>
+            <a:r>
+              <a:rPr lang="en-US" altLang="zh-CN" dirty="0" smtClean="0"/>
+              <a:t>Linux</a:t>
             </a:r>
             <a:endParaRPr lang="zh-CN" altLang="en-US" dirty="0"/>
           </a:p>
@@ -9408,272 +9421,6 @@
 </file>
 
 <file path=ppt/slides/slide6.xml><?xml version="1.0" encoding="utf-8"?>
-<p:sld xmlns:a="http://schemas.openxmlformats.org/drawingml/2006/main" xmlns:r="http://schemas.openxmlformats.org/officeDocument/2006/relationships" xmlns:p="http://schemas.openxmlformats.org/presentationml/2006/main">
-  <p:cSld>
-    <p:spTree>
-      <p:nvGrpSpPr>
-        <p:cNvPr id="1" name=""/>
-        <p:cNvGrpSpPr/>
-        <p:nvPr/>
-      </p:nvGrpSpPr>
-      <p:grpSpPr>
-        <a:xfrm>
-          <a:off x="0" y="0"/>
-          <a:ext cx="0" cy="0"/>
-          <a:chOff x="0" y="0"/>
-          <a:chExt cx="0" cy="0"/>
-        </a:xfrm>
-      </p:grpSpPr>
-      <p:sp>
-        <p:nvSpPr>
-          <p:cNvPr id="4" name="标题 1"/>
-          <p:cNvSpPr txBox="1">
-            <a:spLocks/>
-          </p:cNvSpPr>
-          <p:nvPr/>
-        </p:nvSpPr>
-        <p:spPr>
-          <a:xfrm>
-            <a:off x="313509" y="198631"/>
-            <a:ext cx="4206240" cy="931817"/>
-          </a:xfrm>
-          <a:prstGeom prst="rect">
-            <a:avLst/>
-          </a:prstGeom>
-        </p:spPr>
-        <p:txBody>
-          <a:bodyPr vert="horz" lIns="91440" tIns="45720" rIns="91440" bIns="45720" rtlCol="0" anchor="ctr">
-            <a:normAutofit/>
-          </a:bodyPr>
-          <a:lstStyle>
-            <a:lvl1pPr algn="l" defTabSz="914400" rtl="0" eaLnBrk="1" latinLnBrk="0" hangingPunct="1">
-              <a:lnSpc>
-                <a:spcPct val="90000"/>
-              </a:lnSpc>
-              <a:spcBef>
-                <a:spcPct val="0"/>
-              </a:spcBef>
-              <a:buNone/>
-              <a:defRPr sz="4400" kern="1200">
-                <a:solidFill>
-                  <a:schemeClr val="tx1"/>
-                </a:solidFill>
-                <a:latin typeface="+mj-lt"/>
-                <a:ea typeface="+mj-ea"/>
-                <a:cs typeface="+mj-cs"/>
-              </a:defRPr>
-            </a:lvl1pPr>
-          </a:lstStyle>
-          <a:p>
-            <a:r>
-              <a:rPr lang="zh-CN" altLang="en-US" dirty="0" smtClean="0"/>
-              <a:t>持续</a:t>
-            </a:r>
-            <a:r>
-              <a:rPr lang="zh-CN" altLang="en-US" dirty="0"/>
-              <a:t>交付</a:t>
-            </a:r>
-            <a:endParaRPr lang="en-US" altLang="zh-CN" dirty="0" smtClean="0"/>
-          </a:p>
-        </p:txBody>
-      </p:sp>
-    </p:spTree>
-    <p:extLst>
-      <p:ext uri="{BB962C8B-B14F-4D97-AF65-F5344CB8AC3E}">
-        <p14:creationId xmlns:p14="http://schemas.microsoft.com/office/powerpoint/2010/main" val="2583423337"/>
-      </p:ext>
-    </p:extLst>
-  </p:cSld>
-  <p:clrMapOvr>
-    <a:masterClrMapping/>
-  </p:clrMapOvr>
-  <p:timing>
-    <p:tnLst>
-      <p:par>
-        <p:cTn id="1" dur="indefinite" restart="never" nodeType="tmRoot"/>
-      </p:par>
-    </p:tnLst>
-  </p:timing>
-</p:sld>
-</file>
-
-<file path=ppt/slides/slide7.xml><?xml version="1.0" encoding="utf-8"?>
-<p:sld xmlns:a="http://schemas.openxmlformats.org/drawingml/2006/main" xmlns:r="http://schemas.openxmlformats.org/officeDocument/2006/relationships" xmlns:p="http://schemas.openxmlformats.org/presentationml/2006/main">
-  <p:cSld>
-    <p:spTree>
-      <p:nvGrpSpPr>
-        <p:cNvPr id="1" name=""/>
-        <p:cNvGrpSpPr/>
-        <p:nvPr/>
-      </p:nvGrpSpPr>
-      <p:grpSpPr>
-        <a:xfrm>
-          <a:off x="0" y="0"/>
-          <a:ext cx="0" cy="0"/>
-          <a:chOff x="0" y="0"/>
-          <a:chExt cx="0" cy="0"/>
-        </a:xfrm>
-      </p:grpSpPr>
-      <p:sp>
-        <p:nvSpPr>
-          <p:cNvPr id="4" name="标题 1"/>
-          <p:cNvSpPr txBox="1">
-            <a:spLocks/>
-          </p:cNvSpPr>
-          <p:nvPr/>
-        </p:nvSpPr>
-        <p:spPr>
-          <a:xfrm>
-            <a:off x="313509" y="198631"/>
-            <a:ext cx="4206240" cy="931817"/>
-          </a:xfrm>
-          <a:prstGeom prst="rect">
-            <a:avLst/>
-          </a:prstGeom>
-        </p:spPr>
-        <p:txBody>
-          <a:bodyPr vert="horz" lIns="91440" tIns="45720" rIns="91440" bIns="45720" rtlCol="0" anchor="ctr">
-            <a:normAutofit/>
-          </a:bodyPr>
-          <a:lstStyle>
-            <a:lvl1pPr algn="l" defTabSz="914400" rtl="0" eaLnBrk="1" latinLnBrk="0" hangingPunct="1">
-              <a:lnSpc>
-                <a:spcPct val="90000"/>
-              </a:lnSpc>
-              <a:spcBef>
-                <a:spcPct val="0"/>
-              </a:spcBef>
-              <a:buNone/>
-              <a:defRPr sz="4400" kern="1200">
-                <a:solidFill>
-                  <a:schemeClr val="tx1"/>
-                </a:solidFill>
-                <a:latin typeface="+mj-lt"/>
-                <a:ea typeface="+mj-ea"/>
-                <a:cs typeface="+mj-cs"/>
-              </a:defRPr>
-            </a:lvl1pPr>
-          </a:lstStyle>
-          <a:p>
-            <a:r>
-              <a:rPr lang="zh-CN" altLang="en-US" dirty="0" smtClean="0"/>
-              <a:t>持续</a:t>
-            </a:r>
-            <a:r>
-              <a:rPr lang="zh-CN" altLang="en-US" dirty="0" smtClean="0"/>
-              <a:t>发布</a:t>
-            </a:r>
-            <a:endParaRPr lang="en-US" altLang="zh-CN" dirty="0" smtClean="0"/>
-          </a:p>
-        </p:txBody>
-      </p:sp>
-    </p:spTree>
-    <p:extLst>
-      <p:ext uri="{BB962C8B-B14F-4D97-AF65-F5344CB8AC3E}">
-        <p14:creationId xmlns:p14="http://schemas.microsoft.com/office/powerpoint/2010/main" val="3454117269"/>
-      </p:ext>
-    </p:extLst>
-  </p:cSld>
-  <p:clrMapOvr>
-    <a:masterClrMapping/>
-  </p:clrMapOvr>
-  <p:timing>
-    <p:tnLst>
-      <p:par>
-        <p:cTn id="1" dur="indefinite" restart="never" nodeType="tmRoot"/>
-      </p:par>
-    </p:tnLst>
-  </p:timing>
-</p:sld>
-</file>
-
-<file path=ppt/slides/slide8.xml><?xml version="1.0" encoding="utf-8"?>
-<p:sld xmlns:a="http://schemas.openxmlformats.org/drawingml/2006/main" xmlns:r="http://schemas.openxmlformats.org/officeDocument/2006/relationships" xmlns:p="http://schemas.openxmlformats.org/presentationml/2006/main">
-  <p:cSld>
-    <p:spTree>
-      <p:nvGrpSpPr>
-        <p:cNvPr id="1" name=""/>
-        <p:cNvGrpSpPr/>
-        <p:nvPr/>
-      </p:nvGrpSpPr>
-      <p:grpSpPr>
-        <a:xfrm>
-          <a:off x="0" y="0"/>
-          <a:ext cx="0" cy="0"/>
-          <a:chOff x="0" y="0"/>
-          <a:chExt cx="0" cy="0"/>
-        </a:xfrm>
-      </p:grpSpPr>
-      <p:sp>
-        <p:nvSpPr>
-          <p:cNvPr id="4" name="标题 1"/>
-          <p:cNvSpPr txBox="1">
-            <a:spLocks/>
-          </p:cNvSpPr>
-          <p:nvPr/>
-        </p:nvSpPr>
-        <p:spPr>
-          <a:xfrm>
-            <a:off x="313509" y="198631"/>
-            <a:ext cx="4206240" cy="931817"/>
-          </a:xfrm>
-          <a:prstGeom prst="rect">
-            <a:avLst/>
-          </a:prstGeom>
-        </p:spPr>
-        <p:txBody>
-          <a:bodyPr vert="horz" lIns="91440" tIns="45720" rIns="91440" bIns="45720" rtlCol="0" anchor="ctr">
-            <a:normAutofit/>
-          </a:bodyPr>
-          <a:lstStyle>
-            <a:lvl1pPr algn="l" defTabSz="914400" rtl="0" eaLnBrk="1" latinLnBrk="0" hangingPunct="1">
-              <a:lnSpc>
-                <a:spcPct val="90000"/>
-              </a:lnSpc>
-              <a:spcBef>
-                <a:spcPct val="0"/>
-              </a:spcBef>
-              <a:buNone/>
-              <a:defRPr sz="4400" kern="1200">
-                <a:solidFill>
-                  <a:schemeClr val="tx1"/>
-                </a:solidFill>
-                <a:latin typeface="+mj-lt"/>
-                <a:ea typeface="+mj-ea"/>
-                <a:cs typeface="+mj-cs"/>
-              </a:defRPr>
-            </a:lvl1pPr>
-          </a:lstStyle>
-          <a:p>
-            <a:r>
-              <a:rPr lang="zh-CN" altLang="en-US" dirty="0" smtClean="0"/>
-              <a:t>服务化框架</a:t>
-            </a:r>
-            <a:endParaRPr lang="zh-CN" altLang="en-US" dirty="0"/>
-          </a:p>
-        </p:txBody>
-      </p:sp>
-    </p:spTree>
-    <p:extLst>
-      <p:ext uri="{BB962C8B-B14F-4D97-AF65-F5344CB8AC3E}">
-        <p14:creationId xmlns:p14="http://schemas.microsoft.com/office/powerpoint/2010/main" val="1178146215"/>
-      </p:ext>
-    </p:extLst>
-  </p:cSld>
-  <p:clrMapOvr>
-    <a:masterClrMapping/>
-  </p:clrMapOvr>
-  <p:timing>
-    <p:tnLst>
-      <p:par>
-        <p:cTn id="1" dur="indefinite" restart="never" nodeType="tmRoot"/>
-      </p:par>
-    </p:tnLst>
-  </p:timing>
-</p:sld>
-</file>
-
-<file path=ppt/slides/slide9.xml><?xml version="1.0" encoding="utf-8"?>
 <p:sld xmlns:a="http://schemas.openxmlformats.org/drawingml/2006/main" xmlns:r="http://schemas.openxmlformats.org/officeDocument/2006/relationships" xmlns:p="http://schemas.openxmlformats.org/presentationml/2006/main">
   <p:cSld>
     <p:spTree>
